--- a/aanf/asio-based2/doc/asio-based AANF.pptx
+++ b/aanf/asio-based2/doc/asio-based AANF.pptx
@@ -33,7 +33,8 @@
     <p:sldId id="284" r:id="rId27"/>
     <p:sldId id="286" r:id="rId28"/>
     <p:sldId id="287" r:id="rId29"/>
-    <p:sldId id="288" r:id="rId30"/>
+    <p:sldId id="289" r:id="rId30"/>
+    <p:sldId id="288" r:id="rId31"/>
   </p:sldIdLst>
   <p:sldSz cx="9144000" cy="6858000" type="screen4x3"/>
   <p:notesSz cx="6858000" cy="9144000"/>
@@ -10752,11 +10753,7 @@
           <a:p>
             <a:r>
               <a:rPr lang="zh-CN" altLang="en-US" dirty="0" smtClean="0"/>
-              <a:t>内部机</a:t>
-            </a:r>
-            <a:r>
-              <a:rPr lang="zh-CN" altLang="en-US" dirty="0" smtClean="0"/>
-              <a:t>理（以</a:t>
+              <a:t>内部机理（以</a:t>
             </a:r>
             <a:r>
               <a:rPr lang="en-US" altLang="zh-CN" dirty="0" smtClean="0"/>
@@ -13201,28 +13198,147 @@
             <p:ph type="title"/>
           </p:nvPr>
         </p:nvSpPr>
-        <p:spPr>
-          <a:xfrm>
-            <a:off x="467544" y="2492896"/>
-            <a:ext cx="8229600" cy="1143000"/>
-          </a:xfrm>
-        </p:spPr>
+        <p:spPr/>
         <p:txBody>
           <a:bodyPr/>
           <a:lstStyle/>
           <a:p>
             <a:r>
+              <a:rPr lang="zh-CN" altLang="en-US" dirty="0" smtClean="0"/>
+              <a:t>测试程序说明</a:t>
+            </a:r>
+            <a:endParaRPr lang="zh-CN" altLang="en-US" dirty="0"/>
+          </a:p>
+        </p:txBody>
+      </p:sp>
+      <p:sp>
+        <p:nvSpPr>
+          <p:cNvPr id="3" name="内容占位符 2"/>
+          <p:cNvSpPr>
+            <a:spLocks noGrp="1"/>
+          </p:cNvSpPr>
+          <p:nvPr>
+            <p:ph idx="1"/>
+          </p:nvPr>
+        </p:nvSpPr>
+        <p:spPr/>
+        <p:txBody>
+          <a:bodyPr/>
+          <a:lstStyle/>
+          <a:p>
+            <a:r>
+              <a:rPr lang="zh-CN" altLang="en-US" dirty="0"/>
+              <a:t>处</a:t>
+            </a:r>
+            <a:r>
+              <a:rPr lang="zh-CN" altLang="en-US" dirty="0" smtClean="0"/>
+              <a:t>理过程异步，</a:t>
+            </a:r>
+            <a:r>
               <a:rPr lang="en-US" altLang="zh-CN" dirty="0" smtClean="0"/>
-              <a:t>The End</a:t>
-            </a:r>
-            <a:endParaRPr lang="zh-CN" altLang="en-US" dirty="0"/>
+              <a:t>socket</a:t>
+            </a:r>
+            <a:r>
+              <a:rPr lang="zh-CN" altLang="en-US" dirty="0" smtClean="0"/>
+              <a:t>使用同步模型下</a:t>
+            </a:r>
+            <a:endParaRPr lang="en-US" altLang="zh-CN" dirty="0" smtClean="0"/>
+          </a:p>
+          <a:p>
+            <a:pPr lvl="1"/>
+            <a:r>
+              <a:rPr lang="en-US" altLang="zh-CN" dirty="0" smtClean="0"/>
+              <a:t>LV</a:t>
+            </a:r>
+            <a:r>
+              <a:rPr lang="zh-CN" altLang="en-US" dirty="0" smtClean="0"/>
+              <a:t>、</a:t>
+            </a:r>
+            <a:r>
+              <a:rPr lang="en-US" altLang="zh-CN" dirty="0" smtClean="0"/>
+              <a:t>HTTP</a:t>
+            </a:r>
+            <a:r>
+              <a:rPr lang="zh-CN" altLang="en-US" dirty="0" smtClean="0"/>
+              <a:t>、</a:t>
+            </a:r>
+            <a:r>
+              <a:rPr lang="en-US" altLang="zh-CN" dirty="0" smtClean="0"/>
+              <a:t>UDP</a:t>
+            </a:r>
+          </a:p>
+          <a:p>
+            <a:pPr lvl="2"/>
+            <a:r>
+              <a:rPr lang="zh-CN" altLang="en-US" dirty="0"/>
+              <a:t>已</a:t>
+            </a:r>
+            <a:r>
+              <a:rPr lang="zh-CN" altLang="en-US" dirty="0" smtClean="0"/>
+              <a:t>经测试</a:t>
+            </a:r>
+            <a:endParaRPr lang="en-US" altLang="zh-CN" dirty="0" smtClean="0"/>
+          </a:p>
+          <a:p>
+            <a:pPr lvl="2"/>
+            <a:r>
+              <a:rPr lang="zh-CN" altLang="en-US" dirty="0"/>
+              <a:t>没</a:t>
+            </a:r>
+            <a:r>
+              <a:rPr lang="zh-CN" altLang="en-US" dirty="0" smtClean="0"/>
+              <a:t>有大数据包测试</a:t>
+            </a:r>
+            <a:endParaRPr lang="en-US" altLang="zh-CN" dirty="0" smtClean="0"/>
+          </a:p>
+          <a:p>
+            <a:pPr lvl="2"/>
+            <a:r>
+              <a:rPr lang="zh-CN" altLang="en-US" dirty="0"/>
+              <a:t>错</a:t>
+            </a:r>
+            <a:r>
+              <a:rPr lang="zh-CN" altLang="en-US" dirty="0" smtClean="0"/>
+              <a:t>误</a:t>
+            </a:r>
+            <a:r>
+              <a:rPr lang="zh-CN" altLang="en-US" dirty="0"/>
+              <a:t>处</a:t>
+            </a:r>
+            <a:r>
+              <a:rPr lang="zh-CN" altLang="en-US" dirty="0" smtClean="0"/>
+              <a:t>理还不完善</a:t>
+            </a:r>
+            <a:endParaRPr lang="en-US" altLang="zh-CN" dirty="0" smtClean="0"/>
+          </a:p>
+          <a:p>
+            <a:r>
+              <a:rPr lang="zh-CN" altLang="en-US" dirty="0"/>
+              <a:t>同</a:t>
+            </a:r>
+            <a:r>
+              <a:rPr lang="zh-CN" altLang="en-US" dirty="0" smtClean="0"/>
+              <a:t>步模型</a:t>
+            </a:r>
+            <a:endParaRPr lang="en-US" altLang="zh-CN" dirty="0" smtClean="0"/>
+          </a:p>
+          <a:p>
+            <a:pPr lvl="1"/>
+            <a:r>
+              <a:rPr lang="zh-CN" altLang="en-US" dirty="0" smtClean="0"/>
+              <a:t>未测</a:t>
+            </a:r>
+            <a:r>
+              <a:rPr lang="zh-CN" altLang="en-US" dirty="0"/>
+              <a:t>试</a:t>
+            </a:r>
           </a:p>
         </p:txBody>
       </p:sp>
     </p:spTree>
     <p:extLst>
       <p:ext uri="{BB962C8B-B14F-4D97-AF65-F5344CB8AC3E}">
-        <p14:creationId xmlns:p14="http://schemas.microsoft.com/office/powerpoint/2010/main" val="2338332807"/>
+        <p14:creationId xmlns:p14="http://schemas.microsoft.com/office/powerpoint/2010/main" val="1087874586"/>
       </p:ext>
     </p:extLst>
   </p:cSld>
@@ -13461,6 +13577,64 @@
     <p:extLst>
       <p:ext uri="{BB962C8B-B14F-4D97-AF65-F5344CB8AC3E}">
         <p14:creationId xmlns:p14="http://schemas.microsoft.com/office/powerpoint/2010/main" val="2100671114"/>
+      </p:ext>
+    </p:extLst>
+  </p:cSld>
+  <p:clrMapOvr>
+    <a:masterClrMapping/>
+  </p:clrMapOvr>
+</p:sld>
+</file>
+
+<file path=ppt/slides/slide30.xml><?xml version="1.0" encoding="utf-8"?>
+<p:sld xmlns:a="http://schemas.openxmlformats.org/drawingml/2006/main" xmlns:r="http://schemas.openxmlformats.org/officeDocument/2006/relationships" xmlns:p="http://schemas.openxmlformats.org/presentationml/2006/main">
+  <p:cSld>
+    <p:spTree>
+      <p:nvGrpSpPr>
+        <p:cNvPr id="1" name=""/>
+        <p:cNvGrpSpPr/>
+        <p:nvPr/>
+      </p:nvGrpSpPr>
+      <p:grpSpPr>
+        <a:xfrm>
+          <a:off x="0" y="0"/>
+          <a:ext cx="0" cy="0"/>
+          <a:chOff x="0" y="0"/>
+          <a:chExt cx="0" cy="0"/>
+        </a:xfrm>
+      </p:grpSpPr>
+      <p:sp>
+        <p:nvSpPr>
+          <p:cNvPr id="2" name="标题 1"/>
+          <p:cNvSpPr>
+            <a:spLocks noGrp="1"/>
+          </p:cNvSpPr>
+          <p:nvPr>
+            <p:ph type="title"/>
+          </p:nvPr>
+        </p:nvSpPr>
+        <p:spPr>
+          <a:xfrm>
+            <a:off x="467544" y="2492896"/>
+            <a:ext cx="8229600" cy="1143000"/>
+          </a:xfrm>
+        </p:spPr>
+        <p:txBody>
+          <a:bodyPr/>
+          <a:lstStyle/>
+          <a:p>
+            <a:r>
+              <a:rPr lang="en-US" altLang="zh-CN" dirty="0" smtClean="0"/>
+              <a:t>The End</a:t>
+            </a:r>
+            <a:endParaRPr lang="zh-CN" altLang="en-US" dirty="0"/>
+          </a:p>
+        </p:txBody>
+      </p:sp>
+    </p:spTree>
+    <p:extLst>
+      <p:ext uri="{BB962C8B-B14F-4D97-AF65-F5344CB8AC3E}">
+        <p14:creationId xmlns:p14="http://schemas.microsoft.com/office/powerpoint/2010/main" val="2338332807"/>
       </p:ext>
     </p:extLst>
   </p:cSld>
